--- a/IHP_2024/20240516/2段TIAの検討.pptx
+++ b/IHP_2024/20240516/2段TIAの検討.pptx
@@ -206,7 +206,7 @@
           <a:p>
             <a:fld id="{F8456487-DC86-474A-B4EE-F658698A396D}" type="datetimeFigureOut">
               <a:rPr kumimoji="1" lang="ja-JP" altLang="en-US" smtClean="0"/>
-              <a:t>2024/5/15</a:t>
+              <a:t>2024/5/23</a:t>
             </a:fld>
             <a:endParaRPr kumimoji="1" lang="ja-JP" altLang="en-US"/>
           </a:p>
@@ -5061,8 +5061,8 @@
             </a:prstGeom>
           </p:spPr>
         </p:pic>
-        <mc:AlternateContent xmlns:mc="http://schemas.openxmlformats.org/markup-compatibility/2006">
-          <mc:Choice xmlns:a14="http://schemas.microsoft.com/office/drawing/2010/main" Requires="a14">
+        <mc:AlternateContent xmlns:mc="http://schemas.openxmlformats.org/markup-compatibility/2006" xmlns:a14="http://schemas.microsoft.com/office/drawing/2010/main">
+          <mc:Choice Requires="a14">
             <p:sp>
               <p:nvSpPr>
                 <p:cNvPr id="10" name="テキスト ボックス 9">
@@ -5121,7 +5121,7 @@
               </p:txBody>
             </p:sp>
           </mc:Choice>
-          <mc:Fallback>
+          <mc:Fallback xmlns="">
             <p:sp>
               <p:nvSpPr>
                 <p:cNvPr id="10" name="テキスト ボックス 9">
@@ -5166,8 +5166,8 @@
             </p:sp>
           </mc:Fallback>
         </mc:AlternateContent>
-        <mc:AlternateContent xmlns:mc="http://schemas.openxmlformats.org/markup-compatibility/2006">
-          <mc:Choice xmlns:a14="http://schemas.microsoft.com/office/drawing/2010/main" Requires="a14">
+        <mc:AlternateContent xmlns:mc="http://schemas.openxmlformats.org/markup-compatibility/2006" xmlns:a14="http://schemas.microsoft.com/office/drawing/2010/main">
+          <mc:Choice Requires="a14">
             <p:sp>
               <p:nvSpPr>
                 <p:cNvPr id="11" name="テキスト ボックス 10">
@@ -5238,7 +5238,7 @@
               </p:txBody>
             </p:sp>
           </mc:Choice>
-          <mc:Fallback>
+          <mc:Fallback xmlns="">
             <p:sp>
               <p:nvSpPr>
                 <p:cNvPr id="11" name="テキスト ボックス 10">
@@ -5283,8 +5283,8 @@
             </p:sp>
           </mc:Fallback>
         </mc:AlternateContent>
-        <mc:AlternateContent xmlns:mc="http://schemas.openxmlformats.org/markup-compatibility/2006">
-          <mc:Choice xmlns:a14="http://schemas.microsoft.com/office/drawing/2010/main" Requires="a14">
+        <mc:AlternateContent xmlns:mc="http://schemas.openxmlformats.org/markup-compatibility/2006" xmlns:a14="http://schemas.microsoft.com/office/drawing/2010/main">
+          <mc:Choice Requires="a14">
             <p:sp>
               <p:nvSpPr>
                 <p:cNvPr id="12" name="テキスト ボックス 11">
@@ -5355,7 +5355,7 @@
               </p:txBody>
             </p:sp>
           </mc:Choice>
-          <mc:Fallback>
+          <mc:Fallback xmlns="">
             <p:sp>
               <p:nvSpPr>
                 <p:cNvPr id="12" name="テキスト ボックス 11">
@@ -5400,8 +5400,8 @@
             </p:sp>
           </mc:Fallback>
         </mc:AlternateContent>
-        <mc:AlternateContent xmlns:mc="http://schemas.openxmlformats.org/markup-compatibility/2006">
-          <mc:Choice xmlns:a14="http://schemas.microsoft.com/office/drawing/2010/main" Requires="a14">
+        <mc:AlternateContent xmlns:mc="http://schemas.openxmlformats.org/markup-compatibility/2006" xmlns:a14="http://schemas.microsoft.com/office/drawing/2010/main">
+          <mc:Choice Requires="a14">
             <p:sp>
               <p:nvSpPr>
                 <p:cNvPr id="13" name="テキスト ボックス 12">
@@ -5460,7 +5460,7 @@
               </p:txBody>
             </p:sp>
           </mc:Choice>
-          <mc:Fallback>
+          <mc:Fallback xmlns="">
             <p:sp>
               <p:nvSpPr>
                 <p:cNvPr id="13" name="テキスト ボックス 12">
@@ -5505,8 +5505,8 @@
             </p:sp>
           </mc:Fallback>
         </mc:AlternateContent>
-        <mc:AlternateContent xmlns:mc="http://schemas.openxmlformats.org/markup-compatibility/2006">
-          <mc:Choice xmlns:a14="http://schemas.microsoft.com/office/drawing/2010/main" Requires="a14">
+        <mc:AlternateContent xmlns:mc="http://schemas.openxmlformats.org/markup-compatibility/2006" xmlns:a14="http://schemas.microsoft.com/office/drawing/2010/main">
+          <mc:Choice Requires="a14">
             <p:sp>
               <p:nvSpPr>
                 <p:cNvPr id="14" name="テキスト ボックス 13">
@@ -5565,7 +5565,7 @@
               </p:txBody>
             </p:sp>
           </mc:Choice>
-          <mc:Fallback>
+          <mc:Fallback xmlns="">
             <p:sp>
               <p:nvSpPr>
                 <p:cNvPr id="14" name="テキスト ボックス 13">
@@ -5610,8 +5610,8 @@
             </p:sp>
           </mc:Fallback>
         </mc:AlternateContent>
-        <mc:AlternateContent xmlns:mc="http://schemas.openxmlformats.org/markup-compatibility/2006">
-          <mc:Choice xmlns:a14="http://schemas.microsoft.com/office/drawing/2010/main" Requires="a14">
+        <mc:AlternateContent xmlns:mc="http://schemas.openxmlformats.org/markup-compatibility/2006" xmlns:a14="http://schemas.microsoft.com/office/drawing/2010/main">
+          <mc:Choice Requires="a14">
             <p:sp>
               <p:nvSpPr>
                 <p:cNvPr id="15" name="テキスト ボックス 14">
@@ -5670,7 +5670,7 @@
               </p:txBody>
             </p:sp>
           </mc:Choice>
-          <mc:Fallback>
+          <mc:Fallback xmlns="">
             <p:sp>
               <p:nvSpPr>
                 <p:cNvPr id="15" name="テキスト ボックス 14">
@@ -5715,8 +5715,8 @@
             </p:sp>
           </mc:Fallback>
         </mc:AlternateContent>
-        <mc:AlternateContent xmlns:mc="http://schemas.openxmlformats.org/markup-compatibility/2006">
-          <mc:Choice xmlns:a14="http://schemas.microsoft.com/office/drawing/2010/main" Requires="a14">
+        <mc:AlternateContent xmlns:mc="http://schemas.openxmlformats.org/markup-compatibility/2006" xmlns:a14="http://schemas.microsoft.com/office/drawing/2010/main">
+          <mc:Choice Requires="a14">
             <p:sp>
               <p:nvSpPr>
                 <p:cNvPr id="16" name="テキスト ボックス 15">
@@ -5775,7 +5775,7 @@
               </p:txBody>
             </p:sp>
           </mc:Choice>
-          <mc:Fallback>
+          <mc:Fallback xmlns="">
             <p:sp>
               <p:nvSpPr>
                 <p:cNvPr id="16" name="テキスト ボックス 15">
@@ -6560,8 +6560,8 @@
           </a:p>
         </p:txBody>
       </p:sp>
-      <mc:AlternateContent xmlns:mc="http://schemas.openxmlformats.org/markup-compatibility/2006">
-        <mc:Choice xmlns:a14="http://schemas.microsoft.com/office/drawing/2010/main" Requires="a14">
+      <mc:AlternateContent xmlns:mc="http://schemas.openxmlformats.org/markup-compatibility/2006" xmlns:a14="http://schemas.microsoft.com/office/drawing/2010/main">
+        <mc:Choice Requires="a14">
           <p:sp>
             <p:nvSpPr>
               <p:cNvPr id="8" name="テキスト ボックス 7">
@@ -6710,7 +6710,7 @@
             </p:txBody>
           </p:sp>
         </mc:Choice>
-        <mc:Fallback>
+        <mc:Fallback xmlns="">
           <p:sp>
             <p:nvSpPr>
               <p:cNvPr id="8" name="テキスト ボックス 7">
@@ -6971,8 +6971,8 @@
           </a:prstGeom>
         </p:spPr>
       </p:pic>
-      <mc:AlternateContent xmlns:mc="http://schemas.openxmlformats.org/markup-compatibility/2006">
-        <mc:Choice xmlns:a14="http://schemas.microsoft.com/office/drawing/2010/main" Requires="a14">
+      <mc:AlternateContent xmlns:mc="http://schemas.openxmlformats.org/markup-compatibility/2006" xmlns:a14="http://schemas.microsoft.com/office/drawing/2010/main">
+        <mc:Choice Requires="a14">
           <p:sp>
             <p:nvSpPr>
               <p:cNvPr id="11" name="テキスト ボックス 10">
@@ -7074,7 +7074,7 @@
             </p:txBody>
           </p:sp>
         </mc:Choice>
-        <mc:Fallback>
+        <mc:Fallback xmlns="">
           <p:sp>
             <p:nvSpPr>
               <p:cNvPr id="11" name="テキスト ボックス 10">
@@ -7119,8 +7119,8 @@
           </p:sp>
         </mc:Fallback>
       </mc:AlternateContent>
-      <mc:AlternateContent xmlns:mc="http://schemas.openxmlformats.org/markup-compatibility/2006">
-        <mc:Choice xmlns:a14="http://schemas.microsoft.com/office/drawing/2010/main" Requires="a14">
+      <mc:AlternateContent xmlns:mc="http://schemas.openxmlformats.org/markup-compatibility/2006" xmlns:a14="http://schemas.microsoft.com/office/drawing/2010/main">
+        <mc:Choice Requires="a14">
           <p:sp>
             <p:nvSpPr>
               <p:cNvPr id="12" name="テキスト ボックス 11">
@@ -7255,7 +7255,7 @@
             </p:txBody>
           </p:sp>
         </mc:Choice>
-        <mc:Fallback>
+        <mc:Fallback xmlns="">
           <p:sp>
             <p:nvSpPr>
               <p:cNvPr id="12" name="テキスト ボックス 11">
@@ -7445,8 +7445,8 @@
           </a:p>
         </p:txBody>
       </p:sp>
-      <mc:AlternateContent xmlns:mc="http://schemas.openxmlformats.org/markup-compatibility/2006">
-        <mc:Choice xmlns:a14="http://schemas.microsoft.com/office/drawing/2010/main" Requires="a14">
+      <mc:AlternateContent xmlns:mc="http://schemas.openxmlformats.org/markup-compatibility/2006" xmlns:a14="http://schemas.microsoft.com/office/drawing/2010/main">
+        <mc:Choice Requires="a14">
           <p:sp>
             <p:nvSpPr>
               <p:cNvPr id="8" name="テキスト ボックス 7">
@@ -7702,6 +7702,7 @@
                 <a:endParaRPr lang="en-US" altLang="ja-JP" sz="2200" dirty="0"/>
               </a:p>
               <a:p>
+                <a:pPr/>
                 <a14:m>
                   <m:oMathPara xmlns:m="http://schemas.openxmlformats.org/officeDocument/2006/math">
                     <m:oMathParaPr>
@@ -7760,6 +7761,7 @@
                 <a:endParaRPr lang="en-US" altLang="ja-JP" sz="2200" b="0" dirty="0"/>
               </a:p>
               <a:p>
+                <a:pPr/>
                 <a14:m>
                   <m:oMathPara xmlns:m="http://schemas.openxmlformats.org/officeDocument/2006/math">
                     <m:oMathParaPr>
@@ -7818,6 +7820,7 @@
                 <a:endParaRPr lang="en-US" altLang="ja-JP" sz="2200" b="0" dirty="0"/>
               </a:p>
               <a:p>
+                <a:pPr/>
                 <a14:m>
                   <m:oMathPara xmlns:m="http://schemas.openxmlformats.org/officeDocument/2006/math">
                     <m:oMathParaPr>
@@ -7885,7 +7888,7 @@
             </p:txBody>
           </p:sp>
         </mc:Choice>
-        <mc:Fallback>
+        <mc:Fallback xmlns="">
           <p:sp>
             <p:nvSpPr>
               <p:cNvPr id="8" name="テキスト ボックス 7">
@@ -7986,8 +7989,8 @@
             </a:prstGeom>
           </p:spPr>
         </p:pic>
-        <mc:AlternateContent xmlns:mc="http://schemas.openxmlformats.org/markup-compatibility/2006">
-          <mc:Choice xmlns:a14="http://schemas.microsoft.com/office/drawing/2010/main" Requires="a14">
+        <mc:AlternateContent xmlns:mc="http://schemas.openxmlformats.org/markup-compatibility/2006" xmlns:a14="http://schemas.microsoft.com/office/drawing/2010/main">
+          <mc:Choice Requires="a14">
             <p:sp>
               <p:nvSpPr>
                 <p:cNvPr id="6" name="テキスト ボックス 5">
@@ -8046,7 +8049,7 @@
               </p:txBody>
             </p:sp>
           </mc:Choice>
-          <mc:Fallback>
+          <mc:Fallback xmlns="">
             <p:sp>
               <p:nvSpPr>
                 <p:cNvPr id="6" name="テキスト ボックス 5">
@@ -8091,8 +8094,8 @@
             </p:sp>
           </mc:Fallback>
         </mc:AlternateContent>
-        <mc:AlternateContent xmlns:mc="http://schemas.openxmlformats.org/markup-compatibility/2006">
-          <mc:Choice xmlns:a14="http://schemas.microsoft.com/office/drawing/2010/main" Requires="a14">
+        <mc:AlternateContent xmlns:mc="http://schemas.openxmlformats.org/markup-compatibility/2006" xmlns:a14="http://schemas.microsoft.com/office/drawing/2010/main">
+          <mc:Choice Requires="a14">
             <p:sp>
               <p:nvSpPr>
                 <p:cNvPr id="9" name="テキスト ボックス 8">
@@ -8163,7 +8166,7 @@
               </p:txBody>
             </p:sp>
           </mc:Choice>
-          <mc:Fallback>
+          <mc:Fallback xmlns="">
             <p:sp>
               <p:nvSpPr>
                 <p:cNvPr id="9" name="テキスト ボックス 8">
@@ -8208,8 +8211,8 @@
             </p:sp>
           </mc:Fallback>
         </mc:AlternateContent>
-        <mc:AlternateContent xmlns:mc="http://schemas.openxmlformats.org/markup-compatibility/2006">
-          <mc:Choice xmlns:a14="http://schemas.microsoft.com/office/drawing/2010/main" Requires="a14">
+        <mc:AlternateContent xmlns:mc="http://schemas.openxmlformats.org/markup-compatibility/2006" xmlns:a14="http://schemas.microsoft.com/office/drawing/2010/main">
+          <mc:Choice Requires="a14">
             <p:sp>
               <p:nvSpPr>
                 <p:cNvPr id="10" name="テキスト ボックス 9">
@@ -8280,7 +8283,7 @@
               </p:txBody>
             </p:sp>
           </mc:Choice>
-          <mc:Fallback>
+          <mc:Fallback xmlns="">
             <p:sp>
               <p:nvSpPr>
                 <p:cNvPr id="10" name="テキスト ボックス 9">
@@ -8325,8 +8328,8 @@
             </p:sp>
           </mc:Fallback>
         </mc:AlternateContent>
-        <mc:AlternateContent xmlns:mc="http://schemas.openxmlformats.org/markup-compatibility/2006">
-          <mc:Choice xmlns:a14="http://schemas.microsoft.com/office/drawing/2010/main" Requires="a14">
+        <mc:AlternateContent xmlns:mc="http://schemas.openxmlformats.org/markup-compatibility/2006" xmlns:a14="http://schemas.microsoft.com/office/drawing/2010/main">
+          <mc:Choice Requires="a14">
             <p:sp>
               <p:nvSpPr>
                 <p:cNvPr id="11" name="テキスト ボックス 10">
@@ -8385,7 +8388,7 @@
               </p:txBody>
             </p:sp>
           </mc:Choice>
-          <mc:Fallback>
+          <mc:Fallback xmlns="">
             <p:sp>
               <p:nvSpPr>
                 <p:cNvPr id="11" name="テキスト ボックス 10">
@@ -8430,8 +8433,8 @@
             </p:sp>
           </mc:Fallback>
         </mc:AlternateContent>
-        <mc:AlternateContent xmlns:mc="http://schemas.openxmlformats.org/markup-compatibility/2006">
-          <mc:Choice xmlns:a14="http://schemas.microsoft.com/office/drawing/2010/main" Requires="a14">
+        <mc:AlternateContent xmlns:mc="http://schemas.openxmlformats.org/markup-compatibility/2006" xmlns:a14="http://schemas.microsoft.com/office/drawing/2010/main">
+          <mc:Choice Requires="a14">
             <p:sp>
               <p:nvSpPr>
                 <p:cNvPr id="12" name="テキスト ボックス 11">
@@ -8490,7 +8493,7 @@
               </p:txBody>
             </p:sp>
           </mc:Choice>
-          <mc:Fallback>
+          <mc:Fallback xmlns="">
             <p:sp>
               <p:nvSpPr>
                 <p:cNvPr id="12" name="テキスト ボックス 11">
@@ -8535,8 +8538,8 @@
             </p:sp>
           </mc:Fallback>
         </mc:AlternateContent>
-        <mc:AlternateContent xmlns:mc="http://schemas.openxmlformats.org/markup-compatibility/2006">
-          <mc:Choice xmlns:a14="http://schemas.microsoft.com/office/drawing/2010/main" Requires="a14">
+        <mc:AlternateContent xmlns:mc="http://schemas.openxmlformats.org/markup-compatibility/2006" xmlns:a14="http://schemas.microsoft.com/office/drawing/2010/main">
+          <mc:Choice Requires="a14">
             <p:sp>
               <p:nvSpPr>
                 <p:cNvPr id="13" name="テキスト ボックス 12">
@@ -8595,7 +8598,7 @@
               </p:txBody>
             </p:sp>
           </mc:Choice>
-          <mc:Fallback>
+          <mc:Fallback xmlns="">
             <p:sp>
               <p:nvSpPr>
                 <p:cNvPr id="13" name="テキスト ボックス 12">
@@ -8640,8 +8643,8 @@
             </p:sp>
           </mc:Fallback>
         </mc:AlternateContent>
-        <mc:AlternateContent xmlns:mc="http://schemas.openxmlformats.org/markup-compatibility/2006">
-          <mc:Choice xmlns:a14="http://schemas.microsoft.com/office/drawing/2010/main" Requires="a14">
+        <mc:AlternateContent xmlns:mc="http://schemas.openxmlformats.org/markup-compatibility/2006" xmlns:a14="http://schemas.microsoft.com/office/drawing/2010/main">
+          <mc:Choice Requires="a14">
             <p:sp>
               <p:nvSpPr>
                 <p:cNvPr id="14" name="テキスト ボックス 13">
@@ -8700,7 +8703,7 @@
               </p:txBody>
             </p:sp>
           </mc:Choice>
-          <mc:Fallback>
+          <mc:Fallback xmlns="">
             <p:sp>
               <p:nvSpPr>
                 <p:cNvPr id="14" name="テキスト ボックス 13">
@@ -8927,8 +8930,8 @@
           </a:prstGeom>
         </p:spPr>
       </p:pic>
-      <mc:AlternateContent xmlns:mc="http://schemas.openxmlformats.org/markup-compatibility/2006">
-        <mc:Choice xmlns:a14="http://schemas.microsoft.com/office/drawing/2010/main" Requires="a14">
+      <mc:AlternateContent xmlns:mc="http://schemas.openxmlformats.org/markup-compatibility/2006" xmlns:a14="http://schemas.microsoft.com/office/drawing/2010/main">
+        <mc:Choice Requires="a14">
           <p:sp>
             <p:nvSpPr>
               <p:cNvPr id="6" name="テキスト ボックス 5">
@@ -9022,7 +9025,7 @@
             </p:txBody>
           </p:sp>
         </mc:Choice>
-        <mc:Fallback>
+        <mc:Fallback xmlns="">
           <p:sp>
             <p:nvSpPr>
               <p:cNvPr id="6" name="テキスト ボックス 5">
@@ -9493,8 +9496,8 @@
           </a:prstGeom>
         </p:spPr>
       </p:pic>
-      <mc:AlternateContent xmlns:mc="http://schemas.openxmlformats.org/markup-compatibility/2006">
-        <mc:Choice xmlns:a14="http://schemas.microsoft.com/office/drawing/2010/main" Requires="a14">
+      <mc:AlternateContent xmlns:mc="http://schemas.openxmlformats.org/markup-compatibility/2006" xmlns:a14="http://schemas.microsoft.com/office/drawing/2010/main">
+        <mc:Choice Requires="a14">
           <p:sp>
             <p:nvSpPr>
               <p:cNvPr id="8" name="テキスト ボックス 7">
@@ -9624,7 +9627,7 @@
             </p:txBody>
           </p:sp>
         </mc:Choice>
-        <mc:Fallback>
+        <mc:Fallback xmlns="">
           <p:sp>
             <p:nvSpPr>
               <p:cNvPr id="8" name="テキスト ボックス 7">
